--- a/proyecto/informe/ED2-Proyecto.pptx
+++ b/proyecto/informe/ED2-Proyecto.pptx
@@ -4934,7 +4934,7 @@
         </p:nvSpPr>
         <p:spPr>
           <a:xfrm>
-            <a:off x="660352" y="4327595"/>
+            <a:off x="723852" y="5011680"/>
             <a:ext cx="7828560" cy="489240"/>
           </a:xfrm>
           <a:prstGeom prst="rect">
@@ -4961,13 +4961,13 @@
           <a:bodyPr lIns="90000" tIns="45000" rIns="90000" bIns="45000"/>
           <a:lstStyle/>
           <a:p>
-            <a:pPr algn="just">
+            <a:pPr algn="ctr">
               <a:lnSpc>
                 <a:spcPct val="100000"/>
               </a:lnSpc>
             </a:pPr>
             <a:r>
-              <a:rPr lang="en-US" sz="1600" b="1" i="1" spc="-1" dirty="0" err="1" smtClean="0">
+              <a:rPr lang="en-US" sz="1400" b="1" i="1" spc="-1" dirty="0" err="1" smtClean="0">
                 <a:uFill>
                   <a:solidFill>
                     <a:srgbClr val="FFFFFF"/>
@@ -4979,7 +4979,7 @@
               <a:t>Figura</a:t>
             </a:r>
             <a:r>
-              <a:rPr lang="en-US" sz="1600" b="1" i="1" spc="-1" dirty="0" smtClean="0">
+              <a:rPr lang="en-US" sz="1400" b="1" i="1" spc="-1" dirty="0" smtClean="0">
                 <a:uFill>
                   <a:solidFill>
                     <a:srgbClr val="FFFFFF"/>
@@ -4991,7 +4991,7 @@
               <a:t> </a:t>
             </a:r>
             <a:r>
-              <a:rPr lang="en-US" sz="1600" b="1" i="1" spc="-1" dirty="0">
+              <a:rPr lang="en-US" sz="1400" b="1" i="1" spc="-1" dirty="0">
                 <a:uFill>
                   <a:solidFill>
                     <a:srgbClr val="FFFFFF"/>
@@ -5003,7 +5003,7 @@
               <a:t>1</a:t>
             </a:r>
             <a:r>
-              <a:rPr lang="en-US" sz="1600" b="1" i="1" spc="-1" dirty="0" smtClean="0">
+              <a:rPr lang="en-US" sz="1400" b="1" i="1" spc="-1" dirty="0" smtClean="0">
                 <a:uFill>
                   <a:solidFill>
                     <a:srgbClr val="FFFFFF"/>
@@ -5015,7 +5015,7 @@
               <a:t>: </a:t>
             </a:r>
             <a:r>
-              <a:rPr lang="en-US" sz="1600" i="1" spc="-1" dirty="0" err="1" smtClean="0">
+              <a:rPr lang="en-US" sz="1400" i="1" spc="-1" dirty="0" err="1" smtClean="0">
                 <a:uFill>
                   <a:solidFill>
                     <a:srgbClr val="FFFFFF"/>
@@ -5027,7 +5027,7 @@
               <a:t>Grafos</a:t>
             </a:r>
             <a:r>
-              <a:rPr lang="en-US" sz="1600" i="1" spc="-1" dirty="0" smtClean="0">
+              <a:rPr lang="en-US" sz="1400" i="1" spc="-1" dirty="0" smtClean="0">
                 <a:uFill>
                   <a:solidFill>
                     <a:srgbClr val="FFFFFF"/>
@@ -5039,7 +5039,7 @@
               <a:t> </a:t>
             </a:r>
             <a:r>
-              <a:rPr lang="en-US" sz="1600" i="1" spc="-1" dirty="0" err="1" smtClean="0">
+              <a:rPr lang="en-US" sz="1400" i="1" spc="-1" dirty="0" err="1" smtClean="0">
                 <a:uFill>
                   <a:solidFill>
                     <a:srgbClr val="FFFFFF"/>
@@ -5051,7 +5051,7 @@
               <a:t>como</a:t>
             </a:r>
             <a:r>
-              <a:rPr lang="en-US" sz="1600" i="1" spc="-1" dirty="0" smtClean="0">
+              <a:rPr lang="en-US" sz="1400" i="1" spc="-1" dirty="0" smtClean="0">
                 <a:uFill>
                   <a:solidFill>
                     <a:srgbClr val="FFFFFF"/>
@@ -5063,7 +5063,7 @@
               <a:t> matrices de </a:t>
             </a:r>
             <a:r>
-              <a:rPr lang="en-US" sz="1600" i="1" spc="-1" dirty="0" err="1" smtClean="0">
+              <a:rPr lang="en-US" sz="1400" i="1" spc="-1" dirty="0" err="1" smtClean="0">
                 <a:uFill>
                   <a:solidFill>
                     <a:srgbClr val="FFFFFF"/>
@@ -5075,7 +5075,7 @@
               <a:t>adyacencia</a:t>
             </a:r>
             <a:r>
-              <a:rPr lang="en-US" sz="1600" i="1" spc="-1" dirty="0" smtClean="0">
+              <a:rPr lang="en-US" sz="1400" i="1" spc="-1" dirty="0" smtClean="0">
                 <a:uFill>
                   <a:solidFill>
                     <a:srgbClr val="FFFFFF"/>
@@ -5087,7 +5087,7 @@
               <a:t> </a:t>
             </a:r>
             <a:r>
-              <a:rPr lang="en-US" sz="1600" i="1" spc="-1" dirty="0" err="1" smtClean="0">
+              <a:rPr lang="en-US" sz="1400" i="1" spc="-1" dirty="0" err="1" smtClean="0">
                 <a:uFill>
                   <a:solidFill>
                     <a:srgbClr val="FFFFFF"/>
@@ -5099,7 +5099,7 @@
               <a:t>en</a:t>
             </a:r>
             <a:r>
-              <a:rPr lang="en-US" sz="1600" i="1" spc="-1" dirty="0" smtClean="0">
+              <a:rPr lang="en-US" sz="1400" i="1" spc="-1" dirty="0" smtClean="0">
                 <a:uFill>
                   <a:solidFill>
                     <a:srgbClr val="FFFFFF"/>
@@ -5111,7 +5111,7 @@
               <a:t> las </a:t>
             </a:r>
             <a:r>
-              <a:rPr lang="en-US" sz="1600" i="1" spc="-1" dirty="0" err="1" smtClean="0">
+              <a:rPr lang="en-US" sz="1400" i="1" spc="-1" dirty="0" err="1" smtClean="0">
                 <a:uFill>
                   <a:solidFill>
                     <a:srgbClr val="FFFFFF"/>
@@ -5123,7 +5123,7 @@
               <a:t>cuales</a:t>
             </a:r>
             <a:r>
-              <a:rPr lang="en-US" sz="1600" i="1" spc="-1" dirty="0" smtClean="0">
+              <a:rPr lang="en-US" sz="1400" i="1" spc="-1" dirty="0" smtClean="0">
                 <a:uFill>
                   <a:solidFill>
                     <a:srgbClr val="FFFFFF"/>
@@ -5135,7 +5135,7 @@
               <a:t> se </a:t>
             </a:r>
             <a:r>
-              <a:rPr lang="en-US" sz="1600" i="1" spc="-1" dirty="0" err="1" smtClean="0">
+              <a:rPr lang="en-US" sz="1400" i="1" spc="-1" dirty="0" err="1" smtClean="0">
                 <a:uFill>
                   <a:solidFill>
                     <a:srgbClr val="FFFFFF"/>
@@ -5147,7 +5147,7 @@
               <a:t>almacenan</a:t>
             </a:r>
             <a:r>
-              <a:rPr lang="en-US" sz="1600" i="1" spc="-1" dirty="0" smtClean="0">
+              <a:rPr lang="en-US" sz="1400" i="1" spc="-1" dirty="0" smtClean="0">
                 <a:uFill>
                   <a:solidFill>
                     <a:srgbClr val="FFFFFF"/>
@@ -5159,7 +5159,7 @@
               <a:t> las </a:t>
             </a:r>
             <a:r>
-              <a:rPr lang="en-US" sz="1600" i="1" spc="-1" dirty="0" err="1" smtClean="0">
+              <a:rPr lang="en-US" sz="1400" i="1" spc="-1" dirty="0" err="1" smtClean="0">
                 <a:uFill>
                   <a:solidFill>
                     <a:srgbClr val="FFFFFF"/>
@@ -5171,7 +5171,7 @@
               <a:t>distancias</a:t>
             </a:r>
             <a:r>
-              <a:rPr lang="en-US" sz="1600" i="1" spc="-1" dirty="0" smtClean="0">
+              <a:rPr lang="en-US" sz="1400" i="1" spc="-1" dirty="0" smtClean="0">
                 <a:uFill>
                   <a:solidFill>
                     <a:srgbClr val="FFFFFF"/>
@@ -5183,7 +5183,7 @@
               <a:t> entre </a:t>
             </a:r>
             <a:r>
-              <a:rPr lang="en-US" sz="1600" i="1" spc="-1" dirty="0" err="1" smtClean="0">
+              <a:rPr lang="en-US" sz="1400" i="1" spc="-1" dirty="0" err="1" smtClean="0">
                 <a:uFill>
                   <a:solidFill>
                     <a:srgbClr val="FFFFFF"/>
@@ -5195,7 +5195,7 @@
               <a:t>puntos</a:t>
             </a:r>
             <a:r>
-              <a:rPr lang="en-US" sz="1600" i="1" spc="-1" dirty="0">
+              <a:rPr lang="en-US" sz="1400" i="1" spc="-1" dirty="0">
                 <a:uFill>
                   <a:solidFill>
                     <a:srgbClr val="FFFFFF"/>
@@ -5206,7 +5206,7 @@
               </a:rPr>
               <a:t>.</a:t>
             </a:r>
-            <a:endParaRPr lang="en-US" sz="2000" strike="noStrike" spc="-1" dirty="0">
+            <a:endParaRPr lang="en-US" sz="1400" strike="noStrike" spc="-1" dirty="0">
               <a:solidFill>
                 <a:srgbClr val="000000"/>
               </a:solidFill>
@@ -5220,6 +5220,30 @@
           </a:p>
         </p:txBody>
       </p:sp>
+      <p:pic>
+        <p:nvPicPr>
+          <p:cNvPr id="2" name="Imagen 1"/>
+          <p:cNvPicPr>
+            <a:picLocks noChangeAspect="1"/>
+          </p:cNvPicPr>
+          <p:nvPr/>
+        </p:nvPicPr>
+        <p:blipFill>
+          <a:blip r:embed="rId2"/>
+          <a:stretch>
+            <a:fillRect/>
+          </a:stretch>
+        </p:blipFill>
+        <p:spPr>
+          <a:xfrm>
+            <a:off x="1397000" y="1151739"/>
+            <a:ext cx="5384800" cy="3735021"/>
+          </a:xfrm>
+          <a:prstGeom prst="rect">
+            <a:avLst/>
+          </a:prstGeom>
+        </p:spPr>
+      </p:pic>
     </p:spTree>
   </p:cSld>
   <p:clrMapOvr>
